--- a/Presentazione Progetto.pptx
+++ b/Presentazione Progetto.pptx
@@ -7713,14 +7713,16 @@
             <p:ph sz="half" idx="1"/>
           </p:nvPr>
         </p:nvSpPr>
-        <p:spPr/>
+        <p:spPr>
+          <a:noFill/>
+        </p:spPr>
         <p:txBody>
           <a:bodyPr rtlCol="0">
             <a:normAutofit/>
           </a:bodyPr>
           <a:lstStyle/>
           <a:p>
-            <a:pPr marL="0" indent="0" rtl="0">
+            <a:pPr marL="0" indent="0">
               <a:buNone/>
             </a:pPr>
             <a:r>
@@ -7729,31 +7731,11 @@
             </a:r>
             <a:r>
               <a:rPr lang="it-IT" b="1" dirty="0" err="1"/>
-              <a:t>LinearSVR</a:t>
-            </a:r>
-            <a:r>
-              <a:rPr lang="it-IT" b="1" dirty="0"/>
-              <a:t> </a:t>
+              <a:t>RandomForestRegressor</a:t>
             </a:r>
             <a:r>
               <a:rPr lang="it-IT" dirty="0"/>
-              <a:t>(Linear Support </a:t>
-            </a:r>
-            <a:r>
-              <a:rPr lang="it-IT" dirty="0" err="1"/>
-              <a:t>Vector</a:t>
-            </a:r>
-            <a:r>
-              <a:rPr lang="it-IT" dirty="0"/>
-              <a:t> </a:t>
-            </a:r>
-            <a:r>
-              <a:rPr lang="it-IT" dirty="0" err="1"/>
-              <a:t>Regression</a:t>
-            </a:r>
-            <a:r>
-              <a:rPr lang="it-IT" dirty="0"/>
-              <a:t>), contenuto nella libreria </a:t>
+              <a:t>, contenuto nella libreria </a:t>
             </a:r>
             <a:r>
               <a:rPr lang="it-IT" dirty="0" err="1"/>
@@ -7761,7 +7743,7 @@
             </a:r>
             <a:r>
               <a:rPr lang="it-IT" dirty="0"/>
-              <a:t> di Python, dedicata al machine learning, utilissima per operazioni come Classificazione, Regressione, Clustering, etc.</a:t>
+              <a:t>  di Python, dedicata al machine learning, utilissima per operazioni come Classificazione, Regressione, Clustering, etc.</a:t>
             </a:r>
             <a:br>
               <a:rPr lang="it-IT" dirty="0"/>
@@ -7771,15 +7753,7 @@
             </a:br>
             <a:r>
               <a:rPr lang="it-IT" dirty="0"/>
-              <a:t>Nel nostro caso, l’algoritmo </a:t>
-            </a:r>
-            <a:r>
-              <a:rPr lang="it-IT" dirty="0" err="1"/>
-              <a:t>LinearSVR</a:t>
-            </a:r>
-            <a:r>
-              <a:rPr lang="it-IT" dirty="0"/>
-              <a:t> si è dimostrato semplice da utilizzare, e nel complesso ha offerto risultati migliori rispetto ad altri algoritmi di regressione (es. </a:t>
+              <a:t>Nel nostro caso, l’algoritmo  si è dimostrato semplice da utilizzare, e nel complesso ha offerto risultati migliori rispetto ad altri algoritmi di regressione (es. </a:t>
             </a:r>
             <a:r>
               <a:rPr lang="it-IT" dirty="0" err="1"/>
@@ -7792,6 +7766,14 @@
             <a:r>
               <a:rPr lang="it-IT" dirty="0" err="1"/>
               <a:t>tree</a:t>
+            </a:r>
+            <a:r>
+              <a:rPr lang="it-IT" dirty="0"/>
+              <a:t> o </a:t>
+            </a:r>
+            <a:r>
+              <a:rPr lang="it-IT" dirty="0" err="1"/>
+              <a:t>linearSVR</a:t>
             </a:r>
             <a:r>
               <a:rPr lang="it-IT" dirty="0"/>
@@ -7873,10 +7855,10 @@
       </p:sp>
       <p:pic>
         <p:nvPicPr>
-          <p:cNvPr id="8" name="Immagine 7" descr="Immagine che contiene testo&#10;&#10;Descrizione generata automaticamente">
+          <p:cNvPr id="9" name="Immagine 8" descr="Immagine che contiene testo&#10;&#10;Descrizione generata automaticamente">
             <a:extLst>
               <a:ext uri="{FF2B5EF4-FFF2-40B4-BE49-F238E27FC236}">
-                <a16:creationId xmlns:a16="http://schemas.microsoft.com/office/drawing/2014/main" id="{C2475E48-970B-4DA8-B7EB-C3DCA0BC5A5B}"/>
+                <a16:creationId xmlns:a16="http://schemas.microsoft.com/office/drawing/2014/main" id="{2173D811-CE7B-4DF3-992E-D2C7AA45ED78}"/>
               </a:ext>
             </a:extLst>
           </p:cNvPr>
@@ -7893,8 +7875,8 @@
         </p:blipFill>
         <p:spPr>
           <a:xfrm>
-            <a:off x="6460682" y="2837217"/>
-            <a:ext cx="5186410" cy="1183565"/>
+            <a:off x="6263499" y="2443992"/>
+            <a:ext cx="5733629" cy="1970016"/>
           </a:xfrm>
           <a:prstGeom prst="rect">
             <a:avLst/>

--- a/Presentazione Progetto.pptx
+++ b/Presentazione Progetto.pptx
@@ -225,7 +225,7 @@
             <a:pPr rtl="0"/>
             <a:fld id="{CF32DE42-3B40-4BDF-A635-6A29283AA3CE}" type="datetime1">
               <a:rPr lang="it-IT" smtClean="0"/>
-              <a:t>21/08/2021</a:t>
+              <a:t>22/08/2021</a:t>
             </a:fld>
             <a:endParaRPr lang="it-IT" dirty="0"/>
           </a:p>
@@ -394,7 +394,7 @@
             <a:fld id="{84EB90EB-817B-4824-B8F6-A0EA0C17888C}" type="datetime1">
               <a:rPr lang="it-IT" smtClean="0"/>
               <a:pPr/>
-              <a:t>21/08/2021</a:t>
+              <a:t>22/08/2021</a:t>
             </a:fld>
             <a:endParaRPr lang="it-IT" dirty="0"/>
           </a:p>
@@ -1951,7 +1951,7 @@
             <a:pPr rtl="0"/>
             <a:fld id="{B002B16D-3FAE-47CA-9C86-5AB26E98D976}" type="datetime1">
               <a:rPr lang="it-IT" noProof="0" smtClean="0"/>
-              <a:t>21/08/2021</a:t>
+              <a:t>22/08/2021</a:t>
             </a:fld>
             <a:endParaRPr lang="it-IT" noProof="0" dirty="0"/>
           </a:p>
@@ -2161,7 +2161,7 @@
             <a:pPr rtl="0"/>
             <a:fld id="{FEBE8212-AF40-4A56-A011-3E3BB010CE2A}" type="datetime1">
               <a:rPr lang="it-IT" noProof="0" smtClean="0"/>
-              <a:t>21/08/2021</a:t>
+              <a:t>22/08/2021</a:t>
             </a:fld>
             <a:endParaRPr lang="it-IT" noProof="0" dirty="0"/>
           </a:p>
@@ -2361,7 +2361,7 @@
             <a:pPr rtl="0"/>
             <a:fld id="{5BDB2C0E-916B-4727-B13A-9701E811FCC8}" type="datetime1">
               <a:rPr lang="it-IT" noProof="0" smtClean="0"/>
-              <a:t>21/08/2021</a:t>
+              <a:t>22/08/2021</a:t>
             </a:fld>
             <a:endParaRPr lang="it-IT" noProof="0" dirty="0"/>
           </a:p>
@@ -2947,7 +2947,7 @@
             <a:pPr rtl="0"/>
             <a:fld id="{3C82DBB1-E0C9-4F03-8ADD-55A47C2986E8}" type="datetime1">
               <a:rPr lang="it-IT" noProof="0" smtClean="0"/>
-              <a:t>21/08/2021</a:t>
+              <a:t>22/08/2021</a:t>
             </a:fld>
             <a:endParaRPr lang="it-IT" noProof="0" dirty="0"/>
           </a:p>
@@ -3406,7 +3406,7 @@
             <a:pPr rtl="0"/>
             <a:fld id="{2F2DC7FE-CCFE-43E7-918C-B7EF427375A4}" type="datetime1">
               <a:rPr lang="it-IT" noProof="0" smtClean="0"/>
-              <a:t>21/08/2021</a:t>
+              <a:t>22/08/2021</a:t>
             </a:fld>
             <a:endParaRPr lang="it-IT" noProof="0" dirty="0"/>
           </a:p>
@@ -3555,7 +3555,7 @@
             <a:pPr rtl="0"/>
             <a:fld id="{451238B3-F4BD-4BAF-A2CB-B0724CABB144}" type="datetime1">
               <a:rPr lang="it-IT" noProof="0" smtClean="0"/>
-              <a:t>21/08/2021</a:t>
+              <a:t>22/08/2021</a:t>
             </a:fld>
             <a:endParaRPr lang="it-IT" noProof="0" dirty="0"/>
           </a:p>
@@ -3672,7 +3672,7 @@
             <a:pPr rtl="0"/>
             <a:fld id="{D21B2428-3126-438E-BCD1-FB86954DA4D4}" type="datetime1">
               <a:rPr lang="it-IT" noProof="0" smtClean="0"/>
-              <a:t>21/08/2021</a:t>
+              <a:t>22/08/2021</a:t>
             </a:fld>
             <a:endParaRPr lang="it-IT" noProof="0" dirty="0"/>
           </a:p>
@@ -3976,7 +3976,7 @@
             <a:pPr rtl="0"/>
             <a:fld id="{21DA1C1B-6D3B-42E6-B8D3-CD98199C13D0}" type="datetime1">
               <a:rPr lang="it-IT" noProof="0" smtClean="0"/>
-              <a:t>21/08/2021</a:t>
+              <a:t>22/08/2021</a:t>
             </a:fld>
             <a:endParaRPr lang="it-IT" noProof="0" dirty="0"/>
           </a:p>
@@ -4271,7 +4271,7 @@
             <a:pPr rtl="0"/>
             <a:fld id="{6422983F-6BBB-4979-9A3E-109FF3842393}" type="datetime1">
               <a:rPr lang="it-IT" noProof="0" smtClean="0"/>
-              <a:t>21/08/2021</a:t>
+              <a:t>22/08/2021</a:t>
             </a:fld>
             <a:endParaRPr lang="it-IT" noProof="0" dirty="0"/>
           </a:p>
@@ -4655,7 +4655,7 @@
             <a:pPr rtl="0"/>
             <a:fld id="{E290648F-B269-42D6-8B53-F8A5521D517C}" type="datetime1">
               <a:rPr lang="it-IT" noProof="0" smtClean="0"/>
-              <a:t>21/08/2021</a:t>
+              <a:t>22/08/2021</a:t>
             </a:fld>
             <a:endParaRPr lang="it-IT" noProof="0" dirty="0"/>
           </a:p>
@@ -5061,7 +5061,12 @@
             <p:ph type="ctrTitle"/>
           </p:nvPr>
         </p:nvSpPr>
-        <p:spPr/>
+        <p:spPr>
+          <a:xfrm>
+            <a:off x="1751777" y="2445965"/>
+            <a:ext cx="4846320" cy="2387600"/>
+          </a:xfrm>
+        </p:spPr>
         <p:txBody>
           <a:bodyPr rtlCol="0">
             <a:normAutofit fontScale="90000"/>
@@ -5118,7 +5123,12 @@
             <p:ph type="subTitle" idx="1"/>
           </p:nvPr>
         </p:nvSpPr>
-        <p:spPr/>
+        <p:spPr>
+          <a:xfrm>
+            <a:off x="1751777" y="4966447"/>
+            <a:ext cx="4846320" cy="863503"/>
+          </a:xfrm>
+        </p:spPr>
         <p:txBody>
           <a:bodyPr rtlCol="0">
             <a:normAutofit/>
@@ -5128,7 +5138,14 @@
             <a:pPr rtl="0"/>
             <a:r>
               <a:rPr lang="it-IT" dirty="0"/>
-              <a:t>Vincenzo M.G. Martemucci 639321</a:t>
+              <a:t>Professore: Nicola Fanizzi</a:t>
+            </a:r>
+          </a:p>
+          <a:p>
+            <a:pPr rtl="0"/>
+            <a:r>
+              <a:rPr lang="it-IT" dirty="0"/>
+              <a:t>Studente: Vincenzo M.G. Martemucci 639321</a:t>
             </a:r>
           </a:p>
           <a:p>
@@ -5321,7 +5338,7 @@
             <a:pPr rtl="0"/>
             <a:fld id="{A294433D-A907-410E-935E-E752CDAE883B}" type="datetime1">
               <a:rPr lang="it-IT" noProof="0" smtClean="0"/>
-              <a:t>21/08/2021</a:t>
+              <a:t>22/08/2021</a:t>
             </a:fld>
             <a:endParaRPr lang="it-IT" noProof="0" dirty="0"/>
           </a:p>
@@ -6522,7 +6539,7 @@
             <a:pPr rtl="0"/>
             <a:fld id="{AABE7E79-24A2-413F-B615-0D4FD481B9EA}" type="datetime1">
               <a:rPr lang="it-IT" noProof="0" smtClean="0"/>
-              <a:t>21/08/2021</a:t>
+              <a:t>22/08/2021</a:t>
             </a:fld>
             <a:endParaRPr lang="it-IT" noProof="0" dirty="0"/>
           </a:p>
@@ -6852,7 +6869,7 @@
             <a:pPr rtl="0"/>
             <a:fld id="{C37F8543-E537-44BF-BBA6-264D49AB415A}" type="datetime1">
               <a:rPr lang="it-IT" noProof="0" smtClean="0"/>
-              <a:t>21/08/2021</a:t>
+              <a:t>22/08/2021</a:t>
             </a:fld>
             <a:endParaRPr lang="it-IT" noProof="0" dirty="0"/>
           </a:p>
@@ -7038,7 +7055,7 @@
             <a:pPr rtl="0"/>
             <a:fld id="{C37F8543-E537-44BF-BBA6-264D49AB415A}" type="datetime1">
               <a:rPr lang="it-IT" noProof="0" smtClean="0"/>
-              <a:t>21/08/2021</a:t>
+              <a:t>22/08/2021</a:t>
             </a:fld>
             <a:endParaRPr lang="it-IT" noProof="0" dirty="0"/>
           </a:p>
@@ -7294,7 +7311,7 @@
             <a:pPr rtl="0"/>
             <a:fld id="{A294433D-A907-410E-935E-E752CDAE883B}" type="datetime1">
               <a:rPr lang="it-IT" noProof="0" smtClean="0"/>
-              <a:t>21/08/2021</a:t>
+              <a:t>22/08/2021</a:t>
             </a:fld>
             <a:endParaRPr lang="it-IT" noProof="0" dirty="0"/>
           </a:p>
@@ -7602,7 +7619,7 @@
                   <a:spcPts val="600"/>
                 </a:spcAft>
               </a:pPr>
-              <a:t>21/08/2021</a:t>
+              <a:t>22/08/2021</a:t>
             </a:fld>
             <a:endParaRPr lang="it-IT" sz="1000" noProof="0"/>
           </a:p>
@@ -7718,7 +7735,7 @@
         </p:spPr>
         <p:txBody>
           <a:bodyPr rtlCol="0">
-            <a:normAutofit/>
+            <a:normAutofit fontScale="92500"/>
           </a:bodyPr>
           <a:lstStyle/>
           <a:p>
@@ -7744,6 +7761,23 @@
             <a:r>
               <a:rPr lang="it-IT" dirty="0"/>
               <a:t>  di Python, dedicata al machine learning, utilissima per operazioni come Classificazione, Regressione, Clustering, etc.</a:t>
+            </a:r>
+          </a:p>
+          <a:p>
+            <a:pPr marL="0" indent="0">
+              <a:buNone/>
+            </a:pPr>
+            <a:r>
+              <a:rPr lang="it-IT" dirty="0"/>
+              <a:t>Per limitare l’</a:t>
+            </a:r>
+            <a:r>
+              <a:rPr lang="it-IT" dirty="0" err="1"/>
+              <a:t>overfitting</a:t>
+            </a:r>
+            <a:r>
+              <a:rPr lang="it-IT" dirty="0"/>
+              <a:t>, è stata impostata una profondità massima pari a 8.</a:t>
             </a:r>
             <a:br>
               <a:rPr lang="it-IT" dirty="0"/>
@@ -7753,7 +7787,15 @@
             </a:br>
             <a:r>
               <a:rPr lang="it-IT" dirty="0"/>
-              <a:t>Nel nostro caso, l’algoritmo  si è dimostrato semplice da utilizzare, e nel complesso ha offerto risultati migliori rispetto ad altri algoritmi di regressione (es. </a:t>
+              <a:t>Nel nostro caso, l’algoritmo  si è dimostrato semplice da utilizzare, e nel complesso ha offerto risultati migliori rispetto ad altri algoritmi </a:t>
+            </a:r>
+            <a:r>
+              <a:rPr lang="it-IT"/>
+              <a:t>di regressione (</a:t>
+            </a:r>
+            <a:r>
+              <a:rPr lang="it-IT" dirty="0"/>
+              <a:t>es. </a:t>
             </a:r>
             <a:r>
               <a:rPr lang="it-IT" dirty="0" err="1"/>
@@ -7824,7 +7866,7 @@
             <a:pPr rtl="0"/>
             <a:fld id="{A294433D-A907-410E-935E-E752CDAE883B}" type="datetime1">
               <a:rPr lang="it-IT" noProof="0" smtClean="0"/>
-              <a:t>21/08/2021</a:t>
+              <a:t>22/08/2021</a:t>
             </a:fld>
             <a:endParaRPr lang="it-IT" noProof="0" dirty="0"/>
           </a:p>

--- a/Presentazione Progetto.pptx
+++ b/Presentazione Progetto.pptx
@@ -5213,8 +5213,12 @@
           <a:p>
             <a:pPr rtl="0"/>
             <a:r>
+              <a:rPr lang="it-IT"/>
+              <a:t>Modello </a:t>
+            </a:r>
+            <a:r>
               <a:rPr lang="it-IT" dirty="0"/>
-              <a:t>Algoritmo di </a:t>
+              <a:t>di </a:t>
             </a:r>
             <a:r>
               <a:rPr lang="it-IT" dirty="0" err="1"/>
@@ -7510,7 +7514,15 @@
             </a:br>
             <a:r>
               <a:rPr lang="it-IT" dirty="0"/>
-              <a:t>Il sistema attraverso un algoritmo di regressione SVR, calcola le emissioni previste per un’automobile con le caratteristiche in input.</a:t>
+              <a:t>Il sistema attraverso un algoritmo di regressione, il </a:t>
+            </a:r>
+            <a:r>
+              <a:rPr lang="it-IT" b="1" dirty="0" err="1"/>
+              <a:t>RandomForestRegressor</a:t>
+            </a:r>
+            <a:r>
+              <a:rPr lang="it-IT" dirty="0"/>
+              <a:t>, calcola le emissioni previste per un’automobile con le caratteristiche in input.</a:t>
             </a:r>
           </a:p>
           <a:p>
@@ -7715,7 +7727,7 @@
             <a:pPr rtl="0"/>
             <a:r>
               <a:rPr lang="it-IT" dirty="0"/>
-              <a:t>Algoritmo di Regressione</a:t>
+              <a:t>Modello di Regressione</a:t>
             </a:r>
           </a:p>
         </p:txBody>
@@ -7787,15 +7799,7 @@
             </a:br>
             <a:r>
               <a:rPr lang="it-IT" dirty="0"/>
-              <a:t>Nel nostro caso, l’algoritmo  si è dimostrato semplice da utilizzare, e nel complesso ha offerto risultati migliori rispetto ad altri algoritmi </a:t>
-            </a:r>
-            <a:r>
-              <a:rPr lang="it-IT"/>
-              <a:t>di regressione (</a:t>
-            </a:r>
-            <a:r>
-              <a:rPr lang="it-IT" dirty="0"/>
-              <a:t>es. </a:t>
+              <a:t>Nel nostro caso, l’algoritmo  si è dimostrato semplice da utilizzare, e nel complesso ha offerto risultati migliori rispetto ad altri algoritmi di regressione (es. </a:t>
             </a:r>
             <a:r>
               <a:rPr lang="it-IT" dirty="0" err="1"/>

--- a/Presentazione Progetto.pptx
+++ b/Presentazione Progetto.pptx
@@ -5,10 +5,10 @@
     <p:sldMasterId id="2147483648" r:id="rId1"/>
   </p:sldMasterIdLst>
   <p:notesMasterIdLst>
-    <p:notesMasterId r:id="rId12"/>
+    <p:notesMasterId r:id="rId13"/>
   </p:notesMasterIdLst>
   <p:handoutMasterIdLst>
-    <p:handoutMasterId r:id="rId13"/>
+    <p:handoutMasterId r:id="rId14"/>
   </p:handoutMasterIdLst>
   <p:sldIdLst>
     <p:sldId id="258" r:id="rId2"/>
@@ -21,6 +21,7 @@
     <p:sldId id="286" r:id="rId9"/>
     <p:sldId id="288" r:id="rId10"/>
     <p:sldId id="289" r:id="rId11"/>
+    <p:sldId id="292" r:id="rId12"/>
   </p:sldIdLst>
   <p:sldSz cx="12192000" cy="6858000"/>
   <p:notesSz cx="6858000" cy="9144000"/>
@@ -826,6 +827,91 @@
     <p:extLst>
       <p:ext uri="{BB962C8B-B14F-4D97-AF65-F5344CB8AC3E}">
         <p14:creationId xmlns:p14="http://schemas.microsoft.com/office/powerpoint/2010/main" val="4190915781"/>
+      </p:ext>
+    </p:extLst>
+  </p:cSld>
+  <p:clrMapOvr>
+    <a:masterClrMapping/>
+  </p:clrMapOvr>
+</p:notes>
+</file>
+
+<file path=ppt/notesSlides/notesSlide11.xml><?xml version="1.0" encoding="utf-8"?>
+<p:notes xmlns:a="http://schemas.openxmlformats.org/drawingml/2006/main" xmlns:r="http://schemas.openxmlformats.org/officeDocument/2006/relationships" xmlns:p="http://schemas.openxmlformats.org/presentationml/2006/main">
+  <p:cSld>
+    <p:spTree>
+      <p:nvGrpSpPr>
+        <p:cNvPr id="1" name=""/>
+        <p:cNvGrpSpPr/>
+        <p:nvPr/>
+      </p:nvGrpSpPr>
+      <p:grpSpPr>
+        <a:xfrm>
+          <a:off x="0" y="0"/>
+          <a:ext cx="0" cy="0"/>
+          <a:chOff x="0" y="0"/>
+          <a:chExt cx="0" cy="0"/>
+        </a:xfrm>
+      </p:grpSpPr>
+      <p:sp>
+        <p:nvSpPr>
+          <p:cNvPr id="2" name="Segnaposto immagine diapositiva 1"/>
+          <p:cNvSpPr>
+            <a:spLocks noGrp="1" noRot="1" noChangeAspect="1"/>
+          </p:cNvSpPr>
+          <p:nvPr>
+            <p:ph type="sldImg"/>
+          </p:nvPr>
+        </p:nvSpPr>
+        <p:spPr/>
+      </p:sp>
+      <p:sp>
+        <p:nvSpPr>
+          <p:cNvPr id="3" name="Segnaposto note 2"/>
+          <p:cNvSpPr>
+            <a:spLocks noGrp="1"/>
+          </p:cNvSpPr>
+          <p:nvPr>
+            <p:ph type="body" idx="1"/>
+          </p:nvPr>
+        </p:nvSpPr>
+        <p:spPr/>
+        <p:txBody>
+          <a:bodyPr/>
+          <a:lstStyle/>
+          <a:p>
+            <a:endParaRPr lang="it-IT" dirty="0"/>
+          </a:p>
+        </p:txBody>
+      </p:sp>
+      <p:sp>
+        <p:nvSpPr>
+          <p:cNvPr id="4" name="Segnaposto numero diapositiva 3"/>
+          <p:cNvSpPr>
+            <a:spLocks noGrp="1"/>
+          </p:cNvSpPr>
+          <p:nvPr>
+            <p:ph type="sldNum" sz="quarter" idx="10"/>
+          </p:nvPr>
+        </p:nvSpPr>
+        <p:spPr/>
+        <p:txBody>
+          <a:bodyPr/>
+          <a:lstStyle/>
+          <a:p>
+            <a:pPr rtl="0"/>
+            <a:fld id="{77542409-6A04-4DC6-AC3A-D3758287A8F2}" type="slidenum">
+              <a:rPr lang="it-IT" smtClean="0"/>
+              <a:t>11</a:t>
+            </a:fld>
+            <a:endParaRPr lang="it-IT" dirty="0"/>
+          </a:p>
+        </p:txBody>
+      </p:sp>
+    </p:spTree>
+    <p:extLst>
+      <p:ext uri="{BB962C8B-B14F-4D97-AF65-F5344CB8AC3E}">
+        <p14:creationId xmlns:p14="http://schemas.microsoft.com/office/powerpoint/2010/main" val="874380951"/>
       </p:ext>
     </p:extLst>
   </p:cSld>
@@ -5213,12 +5299,8 @@
           <a:p>
             <a:pPr rtl="0"/>
             <a:r>
-              <a:rPr lang="it-IT"/>
-              <a:t>Modello </a:t>
-            </a:r>
-            <a:r>
-              <a:rPr lang="it-IT" dirty="0"/>
-              <a:t>di </a:t>
+              <a:rPr lang="it-IT" dirty="0"/>
+              <a:t>Modello di </a:t>
             </a:r>
             <a:r>
               <a:rPr lang="it-IT" dirty="0" err="1"/>
@@ -5277,7 +5359,7 @@
             </a:br>
             <a:r>
               <a:rPr lang="it-IT" dirty="0"/>
-              <a:t>L’algoritmo tiene in considerazione le cinque feature in input, grazie alle quali crea dei cluster di vetture simili contenute nel dataset. il dataset in cluster.</a:t>
+              <a:t>L’algoritmo tiene in considerazione le cinque feature in input, grazie alle quali crea dei cluster in cui raggruppa  vetture simili contenute nel dataset.</a:t>
             </a:r>
           </a:p>
           <a:p>
@@ -5340,10 +5422,6 @@
           <a:lstStyle/>
           <a:p>
             <a:pPr rtl="0"/>
-            <a:fld id="{A294433D-A907-410E-935E-E752CDAE883B}" type="datetime1">
-              <a:rPr lang="it-IT" noProof="0" smtClean="0"/>
-              <a:t>22/08/2021</a:t>
-            </a:fld>
             <a:endParaRPr lang="it-IT" noProof="0" dirty="0"/>
           </a:p>
         </p:txBody>
@@ -5405,6 +5483,202 @@
     <p:extLst>
       <p:ext uri="{BB962C8B-B14F-4D97-AF65-F5344CB8AC3E}">
         <p14:creationId xmlns:p14="http://schemas.microsoft.com/office/powerpoint/2010/main" val="3769936127"/>
+      </p:ext>
+    </p:extLst>
+  </p:cSld>
+  <p:clrMapOvr>
+    <a:masterClrMapping/>
+  </p:clrMapOvr>
+  <mc:AlternateContent xmlns:mc="http://schemas.openxmlformats.org/markup-compatibility/2006" xmlns:p14="http://schemas.microsoft.com/office/powerpoint/2010/main">
+    <mc:Choice Requires="p14">
+      <p:transition spd="med" p14:dur="700">
+        <p:fade/>
+      </p:transition>
+    </mc:Choice>
+    <mc:Fallback xmlns="">
+      <p:transition spd="med">
+        <p:fade/>
+      </p:transition>
+    </mc:Fallback>
+  </mc:AlternateContent>
+</p:sld>
+</file>
+
+<file path=ppt/slides/slide11.xml><?xml version="1.0" encoding="utf-8"?>
+<p:sld xmlns:a="http://schemas.openxmlformats.org/drawingml/2006/main" xmlns:r="http://schemas.openxmlformats.org/officeDocument/2006/relationships" xmlns:p="http://schemas.openxmlformats.org/presentationml/2006/main">
+  <p:cSld>
+    <p:spTree>
+      <p:nvGrpSpPr>
+        <p:cNvPr id="1" name=""/>
+        <p:cNvGrpSpPr/>
+        <p:nvPr/>
+      </p:nvGrpSpPr>
+      <p:grpSpPr>
+        <a:xfrm>
+          <a:off x="0" y="0"/>
+          <a:ext cx="0" cy="0"/>
+          <a:chOff x="0" y="0"/>
+          <a:chExt cx="0" cy="0"/>
+        </a:xfrm>
+      </p:grpSpPr>
+      <p:sp>
+        <p:nvSpPr>
+          <p:cNvPr id="2" name="Titolo 1"/>
+          <p:cNvSpPr>
+            <a:spLocks noGrp="1"/>
+          </p:cNvSpPr>
+          <p:nvPr>
+            <p:ph type="title"/>
+          </p:nvPr>
+        </p:nvSpPr>
+        <p:spPr/>
+        <p:txBody>
+          <a:bodyPr rtlCol="0"/>
+          <a:lstStyle/>
+          <a:p>
+            <a:pPr rtl="0"/>
+            <a:r>
+              <a:rPr lang="it-IT" dirty="0"/>
+              <a:t>Conclusioni e possibili sviluppi</a:t>
+            </a:r>
+          </a:p>
+        </p:txBody>
+      </p:sp>
+      <p:sp>
+        <p:nvSpPr>
+          <p:cNvPr id="3" name="Segnaposto contenuto 2"/>
+          <p:cNvSpPr>
+            <a:spLocks noGrp="1"/>
+          </p:cNvSpPr>
+          <p:nvPr>
+            <p:ph sz="half" idx="1"/>
+          </p:nvPr>
+        </p:nvSpPr>
+        <p:spPr>
+          <a:xfrm>
+            <a:off x="1409700" y="1556281"/>
+            <a:ext cx="10544002" cy="4620682"/>
+          </a:xfrm>
+        </p:spPr>
+        <p:txBody>
+          <a:bodyPr rtlCol="0">
+            <a:normAutofit/>
+          </a:bodyPr>
+          <a:lstStyle/>
+          <a:p>
+            <a:endParaRPr lang="it-IT" dirty="0"/>
+          </a:p>
+          <a:p>
+            <a:r>
+              <a:rPr lang="it-IT" dirty="0"/>
+              <a:t>Nel complesso i risultati del sistema si sono rilevati soddisfacenti, ad esempio: anche presentando al sistema una serie di vetture non presenti nel dataset, si sono ottenuti risultati di predizione più che soddisfacenti.</a:t>
+            </a:r>
+          </a:p>
+          <a:p>
+            <a:r>
+              <a:rPr lang="it-IT" dirty="0"/>
+              <a:t>Alcuni attributi del dataset potrebbero essere sfruttati per una </a:t>
+            </a:r>
+            <a:r>
+              <a:rPr lang="it-IT" dirty="0" err="1"/>
+              <a:t>clusterizzazione</a:t>
+            </a:r>
+            <a:r>
+              <a:rPr lang="it-IT" dirty="0"/>
+              <a:t> e per delle previsioni ancora più accurate e per offrire una lista di auto simili a quella in input (ad esempio, utilizzare l’attributo del tipo di carburante o la tipologia di cambio, manuale, automatico, etc.)</a:t>
+            </a:r>
+          </a:p>
+          <a:p>
+            <a:r>
+              <a:rPr lang="it-IT" dirty="0"/>
+              <a:t>Si potrebbe ulteriormente migliorare il sistema, utilizzando un dataset con attributi ancora più specifici sulla tipologia di motore (es. aspirazione naturale, turbo, e varie tipologie di motori ibridi), nonché sui dati relativi alla potenza del motore stesso, da mettere in relazione con il dato di emissioni. </a:t>
+            </a:r>
+          </a:p>
+          <a:p>
+            <a:pPr marL="0" indent="0">
+              <a:buNone/>
+            </a:pPr>
+            <a:endParaRPr lang="it-IT" dirty="0"/>
+          </a:p>
+          <a:p>
+            <a:endParaRPr lang="it-IT" dirty="0"/>
+          </a:p>
+          <a:p>
+            <a:endParaRPr lang="it-IT" dirty="0"/>
+          </a:p>
+        </p:txBody>
+      </p:sp>
+      <p:sp>
+        <p:nvSpPr>
+          <p:cNvPr id="5" name="Segnaposto numero diapositiva 4"/>
+          <p:cNvSpPr>
+            <a:spLocks noGrp="1"/>
+          </p:cNvSpPr>
+          <p:nvPr>
+            <p:ph type="sldNum" sz="quarter" idx="12"/>
+          </p:nvPr>
+        </p:nvSpPr>
+        <p:spPr/>
+        <p:txBody>
+          <a:bodyPr rtlCol="0"/>
+          <a:lstStyle/>
+          <a:p>
+            <a:pPr rtl="0"/>
+            <a:fld id="{9CD8D479-8942-46E8-A226-A4E01F7A105C}" type="slidenum">
+              <a:rPr lang="it-IT" smtClean="0"/>
+              <a:t>11</a:t>
+            </a:fld>
+            <a:endParaRPr lang="it-IT" dirty="0"/>
+          </a:p>
+        </p:txBody>
+      </p:sp>
+      <p:sp>
+        <p:nvSpPr>
+          <p:cNvPr id="4" name="Segnaposto data 5"/>
+          <p:cNvSpPr>
+            <a:spLocks noGrp="1"/>
+          </p:cNvSpPr>
+          <p:nvPr>
+            <p:ph type="dt" sz="half" idx="10"/>
+          </p:nvPr>
+        </p:nvSpPr>
+        <p:spPr/>
+        <p:txBody>
+          <a:bodyPr/>
+          <a:lstStyle/>
+          <a:p>
+            <a:pPr rtl="0"/>
+            <a:endParaRPr lang="it-IT" noProof="0" dirty="0"/>
+          </a:p>
+        </p:txBody>
+      </p:sp>
+      <p:sp>
+        <p:nvSpPr>
+          <p:cNvPr id="7" name="Segnaposto piè di pagina 6"/>
+          <p:cNvSpPr>
+            <a:spLocks noGrp="1"/>
+          </p:cNvSpPr>
+          <p:nvPr>
+            <p:ph type="ftr" sz="quarter" idx="11"/>
+          </p:nvPr>
+        </p:nvSpPr>
+        <p:spPr/>
+        <p:txBody>
+          <a:bodyPr rtlCol="0"/>
+          <a:lstStyle/>
+          <a:p>
+            <a:pPr rtl="0"/>
+            <a:r>
+              <a:rPr lang="it-IT" dirty="0"/>
+              <a:t>Vincenzo Martemucci, 639321</a:t>
+            </a:r>
+          </a:p>
+        </p:txBody>
+      </p:sp>
+    </p:spTree>
+    <p:extLst>
+      <p:ext uri="{BB962C8B-B14F-4D97-AF65-F5344CB8AC3E}">
+        <p14:creationId xmlns:p14="http://schemas.microsoft.com/office/powerpoint/2010/main" val="1671434927"/>
       </p:ext>
     </p:extLst>
   </p:cSld>
@@ -6541,10 +6815,6 @@
           <a:lstStyle/>
           <a:p>
             <a:pPr rtl="0"/>
-            <a:fld id="{AABE7E79-24A2-413F-B615-0D4FD481B9EA}" type="datetime1">
-              <a:rPr lang="it-IT" noProof="0" smtClean="0"/>
-              <a:t>22/08/2021</a:t>
-            </a:fld>
             <a:endParaRPr lang="it-IT" noProof="0" dirty="0"/>
           </a:p>
         </p:txBody>
@@ -6871,10 +7141,6 @@
           <a:lstStyle/>
           <a:p>
             <a:pPr rtl="0"/>
-            <a:fld id="{C37F8543-E537-44BF-BBA6-264D49AB415A}" type="datetime1">
-              <a:rPr lang="it-IT" noProof="0" smtClean="0"/>
-              <a:t>22/08/2021</a:t>
-            </a:fld>
             <a:endParaRPr lang="it-IT" noProof="0" dirty="0"/>
           </a:p>
         </p:txBody>
@@ -7057,10 +7323,6 @@
           <a:lstStyle/>
           <a:p>
             <a:pPr rtl="0"/>
-            <a:fld id="{C37F8543-E537-44BF-BBA6-264D49AB415A}" type="datetime1">
-              <a:rPr lang="it-IT" noProof="0" smtClean="0"/>
-              <a:t>22/08/2021</a:t>
-            </a:fld>
             <a:endParaRPr lang="it-IT" noProof="0" dirty="0"/>
           </a:p>
         </p:txBody>
@@ -7446,37 +7708,6 @@
           </a:p>
         </p:txBody>
       </p:sp>
-      <p:pic>
-        <p:nvPicPr>
-          <p:cNvPr id="8" name="Immagine 7">
-            <a:extLst>
-              <a:ext uri="{FF2B5EF4-FFF2-40B4-BE49-F238E27FC236}">
-                <a16:creationId xmlns:a16="http://schemas.microsoft.com/office/drawing/2014/main" id="{F66F9C4A-9346-4C72-96D2-AEBE2BD43A41}"/>
-              </a:ext>
-            </a:extLst>
-          </p:cNvPr>
-          <p:cNvPicPr>
-            <a:picLocks noChangeAspect="1"/>
-          </p:cNvPicPr>
-          <p:nvPr/>
-        </p:nvPicPr>
-        <p:blipFill>
-          <a:blip r:embed="rId3"/>
-          <a:stretch>
-            <a:fillRect/>
-          </a:stretch>
-        </p:blipFill>
-        <p:spPr>
-          <a:xfrm>
-            <a:off x="844063" y="1619199"/>
-            <a:ext cx="4860452" cy="4738939"/>
-          </a:xfrm>
-          <a:prstGeom prst="rect">
-            <a:avLst/>
-          </a:prstGeom>
-          <a:noFill/>
-        </p:spPr>
-      </p:pic>
       <p:sp>
         <p:nvSpPr>
           <p:cNvPr id="3" name="Segnaposto contenuto 2"/>
@@ -7621,19 +7852,7 @@
                 <a:spcPts val="600"/>
               </a:spcAft>
             </a:pPr>
-            <a:fld id="{A294433D-A907-410E-935E-E752CDAE883B}" type="datetime1">
-              <a:rPr lang="it-IT" sz="1000" noProof="0" smtClean="0"/>
-              <a:pPr rtl="0">
-                <a:lnSpc>
-                  <a:spcPct val="90000"/>
-                </a:lnSpc>
-                <a:spcAft>
-                  <a:spcPts val="600"/>
-                </a:spcAft>
-              </a:pPr>
-              <a:t>22/08/2021</a:t>
-            </a:fld>
-            <a:endParaRPr lang="it-IT" sz="1000" noProof="0"/>
+            <a:endParaRPr lang="it-IT" sz="1000" noProof="0" dirty="0"/>
           </a:p>
         </p:txBody>
       </p:sp>
@@ -7667,6 +7886,36 @@
           </a:p>
         </p:txBody>
       </p:sp>
+      <p:pic>
+        <p:nvPicPr>
+          <p:cNvPr id="9" name="Immagine 8" descr="Immagine che contiene testo&#10;&#10;Descrizione generata automaticamente">
+            <a:extLst>
+              <a:ext uri="{FF2B5EF4-FFF2-40B4-BE49-F238E27FC236}">
+                <a16:creationId xmlns:a16="http://schemas.microsoft.com/office/drawing/2014/main" id="{AD23F824-9BC5-4F5B-871A-E4A6E018E92F}"/>
+              </a:ext>
+            </a:extLst>
+          </p:cNvPr>
+          <p:cNvPicPr>
+            <a:picLocks noChangeAspect="1"/>
+          </p:cNvPicPr>
+          <p:nvPr/>
+        </p:nvPicPr>
+        <p:blipFill>
+          <a:blip r:embed="rId3"/>
+          <a:stretch>
+            <a:fillRect/>
+          </a:stretch>
+        </p:blipFill>
+        <p:spPr>
+          <a:xfrm>
+            <a:off x="726375" y="1443440"/>
+            <a:ext cx="5293426" cy="5153349"/>
+          </a:xfrm>
+          <a:prstGeom prst="rect">
+            <a:avLst/>
+          </a:prstGeom>
+        </p:spPr>
+      </p:pic>
     </p:spTree>
     <p:extLst>
       <p:ext uri="{BB962C8B-B14F-4D97-AF65-F5344CB8AC3E}">
@@ -7868,10 +8117,6 @@
           <a:lstStyle/>
           <a:p>
             <a:pPr rtl="0"/>
-            <a:fld id="{A294433D-A907-410E-935E-E752CDAE883B}" type="datetime1">
-              <a:rPr lang="it-IT" noProof="0" smtClean="0"/>
-              <a:t>22/08/2021</a:t>
-            </a:fld>
             <a:endParaRPr lang="it-IT" noProof="0" dirty="0"/>
           </a:p>
         </p:txBody>

--- a/Presentazione Progetto.pptx
+++ b/Presentazione Progetto.pptx
@@ -226,7 +226,7 @@
             <a:pPr rtl="0"/>
             <a:fld id="{CF32DE42-3B40-4BDF-A635-6A29283AA3CE}" type="datetime1">
               <a:rPr lang="it-IT" smtClean="0"/>
-              <a:t>22/08/2021</a:t>
+              <a:t>24/08/2021</a:t>
             </a:fld>
             <a:endParaRPr lang="it-IT" dirty="0"/>
           </a:p>
@@ -395,7 +395,7 @@
             <a:fld id="{84EB90EB-817B-4824-B8F6-A0EA0C17888C}" type="datetime1">
               <a:rPr lang="it-IT" smtClean="0"/>
               <a:pPr/>
-              <a:t>22/08/2021</a:t>
+              <a:t>24/08/2021</a:t>
             </a:fld>
             <a:endParaRPr lang="it-IT" dirty="0"/>
           </a:p>
@@ -2037,7 +2037,7 @@
             <a:pPr rtl="0"/>
             <a:fld id="{B002B16D-3FAE-47CA-9C86-5AB26E98D976}" type="datetime1">
               <a:rPr lang="it-IT" noProof="0" smtClean="0"/>
-              <a:t>22/08/2021</a:t>
+              <a:t>24/08/2021</a:t>
             </a:fld>
             <a:endParaRPr lang="it-IT" noProof="0" dirty="0"/>
           </a:p>
@@ -2247,7 +2247,7 @@
             <a:pPr rtl="0"/>
             <a:fld id="{FEBE8212-AF40-4A56-A011-3E3BB010CE2A}" type="datetime1">
               <a:rPr lang="it-IT" noProof="0" smtClean="0"/>
-              <a:t>22/08/2021</a:t>
+              <a:t>24/08/2021</a:t>
             </a:fld>
             <a:endParaRPr lang="it-IT" noProof="0" dirty="0"/>
           </a:p>
@@ -2447,7 +2447,7 @@
             <a:pPr rtl="0"/>
             <a:fld id="{5BDB2C0E-916B-4727-B13A-9701E811FCC8}" type="datetime1">
               <a:rPr lang="it-IT" noProof="0" smtClean="0"/>
-              <a:t>22/08/2021</a:t>
+              <a:t>24/08/2021</a:t>
             </a:fld>
             <a:endParaRPr lang="it-IT" noProof="0" dirty="0"/>
           </a:p>
@@ -3033,7 +3033,7 @@
             <a:pPr rtl="0"/>
             <a:fld id="{3C82DBB1-E0C9-4F03-8ADD-55A47C2986E8}" type="datetime1">
               <a:rPr lang="it-IT" noProof="0" smtClean="0"/>
-              <a:t>22/08/2021</a:t>
+              <a:t>24/08/2021</a:t>
             </a:fld>
             <a:endParaRPr lang="it-IT" noProof="0" dirty="0"/>
           </a:p>
@@ -3492,7 +3492,7 @@
             <a:pPr rtl="0"/>
             <a:fld id="{2F2DC7FE-CCFE-43E7-918C-B7EF427375A4}" type="datetime1">
               <a:rPr lang="it-IT" noProof="0" smtClean="0"/>
-              <a:t>22/08/2021</a:t>
+              <a:t>24/08/2021</a:t>
             </a:fld>
             <a:endParaRPr lang="it-IT" noProof="0" dirty="0"/>
           </a:p>
@@ -3641,7 +3641,7 @@
             <a:pPr rtl="0"/>
             <a:fld id="{451238B3-F4BD-4BAF-A2CB-B0724CABB144}" type="datetime1">
               <a:rPr lang="it-IT" noProof="0" smtClean="0"/>
-              <a:t>22/08/2021</a:t>
+              <a:t>24/08/2021</a:t>
             </a:fld>
             <a:endParaRPr lang="it-IT" noProof="0" dirty="0"/>
           </a:p>
@@ -3758,7 +3758,7 @@
             <a:pPr rtl="0"/>
             <a:fld id="{D21B2428-3126-438E-BCD1-FB86954DA4D4}" type="datetime1">
               <a:rPr lang="it-IT" noProof="0" smtClean="0"/>
-              <a:t>22/08/2021</a:t>
+              <a:t>24/08/2021</a:t>
             </a:fld>
             <a:endParaRPr lang="it-IT" noProof="0" dirty="0"/>
           </a:p>
@@ -4062,7 +4062,7 @@
             <a:pPr rtl="0"/>
             <a:fld id="{21DA1C1B-6D3B-42E6-B8D3-CD98199C13D0}" type="datetime1">
               <a:rPr lang="it-IT" noProof="0" smtClean="0"/>
-              <a:t>22/08/2021</a:t>
+              <a:t>24/08/2021</a:t>
             </a:fld>
             <a:endParaRPr lang="it-IT" noProof="0" dirty="0"/>
           </a:p>
@@ -4357,7 +4357,7 @@
             <a:pPr rtl="0"/>
             <a:fld id="{6422983F-6BBB-4979-9A3E-109FF3842393}" type="datetime1">
               <a:rPr lang="it-IT" noProof="0" smtClean="0"/>
-              <a:t>22/08/2021</a:t>
+              <a:t>24/08/2021</a:t>
             </a:fld>
             <a:endParaRPr lang="it-IT" noProof="0" dirty="0"/>
           </a:p>
@@ -4741,7 +4741,7 @@
             <a:pPr rtl="0"/>
             <a:fld id="{E290648F-B269-42D6-8B53-F8A5521D517C}" type="datetime1">
               <a:rPr lang="it-IT" noProof="0" smtClean="0"/>
-              <a:t>22/08/2021</a:t>
+              <a:t>24/08/2021</a:t>
             </a:fld>
             <a:endParaRPr lang="it-IT" noProof="0" dirty="0"/>
           </a:p>
@@ -7493,10 +7493,12 @@
         </p:nvSpPr>
         <p:spPr/>
         <p:txBody>
-          <a:bodyPr rtlCol="0"/>
-          <a:lstStyle/>
-          <a:p>
-            <a:pPr marL="0" indent="0" rtl="0">
+          <a:bodyPr rtlCol="0">
+            <a:normAutofit/>
+          </a:bodyPr>
+          <a:lstStyle/>
+          <a:p>
+            <a:pPr marL="0" indent="0">
               <a:buNone/>
             </a:pPr>
             <a:r>
@@ -7505,7 +7507,7 @@
             </a:r>
           </a:p>
           <a:p>
-            <a:pPr marL="0" indent="0" rtl="0">
+            <a:pPr marL="0" indent="0">
               <a:buNone/>
             </a:pPr>
             <a:r>
@@ -7577,7 +7579,7 @@
             <a:pPr rtl="0"/>
             <a:fld id="{A294433D-A907-410E-935E-E752CDAE883B}" type="datetime1">
               <a:rPr lang="it-IT" noProof="0" smtClean="0"/>
-              <a:t>22/08/2021</a:t>
+              <a:t>24/08/2021</a:t>
             </a:fld>
             <a:endParaRPr lang="it-IT" noProof="0" dirty="0"/>
           </a:p>

--- a/Presentazione Progetto.pptx
+++ b/Presentazione Progetto.pptx
@@ -7269,7 +7269,7 @@
             </a:pPr>
             <a:r>
               <a:rPr lang="it-IT" dirty="0"/>
-              <a:t>Ad esempio, un motore di grossa cilindrata produrrà più emissioni rispetto ad un motore di cilindrata minore.</a:t>
+              <a:t>Ad esempio, un motore con un consumo più elevato rispetto ad un altro produrrà più emissioni  di quest’ultimo.</a:t>
             </a:r>
           </a:p>
           <a:p>
@@ -7278,7 +7278,15 @@
             </a:pPr>
             <a:r>
               <a:rPr lang="it-IT" dirty="0"/>
-              <a:t>Un analisi del dataset, ci mostra quali siano le caratteristiche più impattanti. Un aumento della cilindrata corrisponde ad un aumento delle emissioni. Così come è proporzionale l’aumento delle emissioni in relazione all’aumento dei consumi.</a:t>
+              <a:t>Un analisi del dataset, ci mostra quali siano le caratteristiche più impattanti. Un aumento della cilindrata corrisponde ad un aumento delle emissioni. Così come è proporzionale l’aumento delle emissioni in relazione all’aumento dei consumi</a:t>
+            </a:r>
+            <a:r>
+              <a:rPr lang="it-IT"/>
+              <a:t>, etc</a:t>
+            </a:r>
+            <a:r>
+              <a:rPr lang="it-IT" dirty="0"/>
+              <a:t>.</a:t>
             </a:r>
           </a:p>
         </p:txBody>
@@ -7503,7 +7511,15 @@
             </a:pPr>
             <a:r>
               <a:rPr lang="it-IT" dirty="0"/>
-              <a:t>L’interfaccia progettata è schematica ed essenziale.</a:t>
+              <a:t>L’interfaccia progettata grazie alla libreria </a:t>
+            </a:r>
+            <a:r>
+              <a:rPr lang="it-IT" i="1" dirty="0" err="1"/>
+              <a:t>tkinter</a:t>
+            </a:r>
+            <a:r>
+              <a:rPr lang="it-IT" dirty="0"/>
+              <a:t> è schematica ed essenziale.</a:t>
             </a:r>
           </a:p>
           <a:p>
@@ -8040,7 +8056,7 @@
             </a:r>
             <a:r>
               <a:rPr lang="it-IT" dirty="0"/>
-              <a:t>, è stata impostata una profondità massima pari a 8.</a:t>
+              <a:t>, è stata impostata una profondità massima pari a 7.</a:t>
             </a:r>
             <a:br>
               <a:rPr lang="it-IT" dirty="0"/>

--- a/Presentazione Progetto.pptx
+++ b/Presentazione Progetto.pptx
@@ -7278,15 +7278,7 @@
             </a:pPr>
             <a:r>
               <a:rPr lang="it-IT" dirty="0"/>
-              <a:t>Un analisi del dataset, ci mostra quali siano le caratteristiche più impattanti. Un aumento della cilindrata corrisponde ad un aumento delle emissioni. Così come è proporzionale l’aumento delle emissioni in relazione all’aumento dei consumi</a:t>
-            </a:r>
-            <a:r>
-              <a:rPr lang="it-IT"/>
-              <a:t>, etc</a:t>
-            </a:r>
-            <a:r>
-              <a:rPr lang="it-IT" dirty="0"/>
-              <a:t>.</a:t>
+              <a:t>Un analisi del dataset, ci mostra quali siano le caratteristiche più impattanti. Un aumento della cilindrata corrisponde ad un aumento delle emissioni. Così come è proporzionale l’aumento delle emissioni in relazione all’aumento dei consumi, etc.</a:t>
             </a:r>
           </a:p>
         </p:txBody>
